--- a/2019.pptx
+++ b/2019.pptx
@@ -192,7 +192,7 @@
           <a:p>
             <a:fld id="{2ACE6681-0741-401D-84EB-DE253FF74BF2}" type="datetimeFigureOut">
               <a:rPr lang="ko-KR" altLang="en-US" smtClean="0"/>
-              <a:t>2019-01-15</a:t>
+              <a:t>2019-01-17</a:t>
             </a:fld>
             <a:endParaRPr lang="ko-KR" altLang="en-US"/>
           </a:p>
@@ -725,7 +725,7 @@
           <a:p>
             <a:fld id="{C4BF2654-FF53-4D2F-9EE2-81C98A2F429B}" type="datetimeFigureOut">
               <a:rPr lang="ko-KR" altLang="en-US" smtClean="0"/>
-              <a:t>2019-01-15</a:t>
+              <a:t>2019-01-17</a:t>
             </a:fld>
             <a:endParaRPr lang="ko-KR" altLang="en-US"/>
           </a:p>
@@ -895,7 +895,7 @@
           <a:p>
             <a:fld id="{C4BF2654-FF53-4D2F-9EE2-81C98A2F429B}" type="datetimeFigureOut">
               <a:rPr lang="ko-KR" altLang="en-US" smtClean="0"/>
-              <a:t>2019-01-15</a:t>
+              <a:t>2019-01-17</a:t>
             </a:fld>
             <a:endParaRPr lang="ko-KR" altLang="en-US"/>
           </a:p>
@@ -1075,7 +1075,7 @@
           <a:p>
             <a:fld id="{C4BF2654-FF53-4D2F-9EE2-81C98A2F429B}" type="datetimeFigureOut">
               <a:rPr lang="ko-KR" altLang="en-US" smtClean="0"/>
-              <a:t>2019-01-15</a:t>
+              <a:t>2019-01-17</a:t>
             </a:fld>
             <a:endParaRPr lang="ko-KR" altLang="en-US"/>
           </a:p>
@@ -1245,7 +1245,7 @@
           <a:p>
             <a:fld id="{C4BF2654-FF53-4D2F-9EE2-81C98A2F429B}" type="datetimeFigureOut">
               <a:rPr lang="ko-KR" altLang="en-US" smtClean="0"/>
-              <a:t>2019-01-15</a:t>
+              <a:t>2019-01-17</a:t>
             </a:fld>
             <a:endParaRPr lang="ko-KR" altLang="en-US"/>
           </a:p>
@@ -1491,7 +1491,7 @@
           <a:p>
             <a:fld id="{C4BF2654-FF53-4D2F-9EE2-81C98A2F429B}" type="datetimeFigureOut">
               <a:rPr lang="ko-KR" altLang="en-US" smtClean="0"/>
-              <a:t>2019-01-15</a:t>
+              <a:t>2019-01-17</a:t>
             </a:fld>
             <a:endParaRPr lang="ko-KR" altLang="en-US"/>
           </a:p>
@@ -1779,7 +1779,7 @@
           <a:p>
             <a:fld id="{C4BF2654-FF53-4D2F-9EE2-81C98A2F429B}" type="datetimeFigureOut">
               <a:rPr lang="ko-KR" altLang="en-US" smtClean="0"/>
-              <a:t>2019-01-15</a:t>
+              <a:t>2019-01-17</a:t>
             </a:fld>
             <a:endParaRPr lang="ko-KR" altLang="en-US"/>
           </a:p>
@@ -2206,7 +2206,7 @@
           <a:p>
             <a:fld id="{C4BF2654-FF53-4D2F-9EE2-81C98A2F429B}" type="datetimeFigureOut">
               <a:rPr lang="ko-KR" altLang="en-US" smtClean="0"/>
-              <a:t>2019-01-15</a:t>
+              <a:t>2019-01-17</a:t>
             </a:fld>
             <a:endParaRPr lang="ko-KR" altLang="en-US"/>
           </a:p>
@@ -2324,7 +2324,7 @@
           <a:p>
             <a:fld id="{C4BF2654-FF53-4D2F-9EE2-81C98A2F429B}" type="datetimeFigureOut">
               <a:rPr lang="ko-KR" altLang="en-US" smtClean="0"/>
-              <a:t>2019-01-15</a:t>
+              <a:t>2019-01-17</a:t>
             </a:fld>
             <a:endParaRPr lang="ko-KR" altLang="en-US"/>
           </a:p>
@@ -2419,7 +2419,7 @@
           <a:p>
             <a:fld id="{C4BF2654-FF53-4D2F-9EE2-81C98A2F429B}" type="datetimeFigureOut">
               <a:rPr lang="ko-KR" altLang="en-US" smtClean="0"/>
-              <a:t>2019-01-15</a:t>
+              <a:t>2019-01-17</a:t>
             </a:fld>
             <a:endParaRPr lang="ko-KR" altLang="en-US"/>
           </a:p>
@@ -2696,7 +2696,7 @@
           <a:p>
             <a:fld id="{C4BF2654-FF53-4D2F-9EE2-81C98A2F429B}" type="datetimeFigureOut">
               <a:rPr lang="ko-KR" altLang="en-US" smtClean="0"/>
-              <a:t>2019-01-15</a:t>
+              <a:t>2019-01-17</a:t>
             </a:fld>
             <a:endParaRPr lang="ko-KR" altLang="en-US"/>
           </a:p>
@@ -2949,7 +2949,7 @@
           <a:p>
             <a:fld id="{C4BF2654-FF53-4D2F-9EE2-81C98A2F429B}" type="datetimeFigureOut">
               <a:rPr lang="ko-KR" altLang="en-US" smtClean="0"/>
-              <a:t>2019-01-15</a:t>
+              <a:t>2019-01-17</a:t>
             </a:fld>
             <a:endParaRPr lang="ko-KR" altLang="en-US"/>
           </a:p>
@@ -3162,7 +3162,7 @@
           <a:p>
             <a:fld id="{C4BF2654-FF53-4D2F-9EE2-81C98A2F429B}" type="datetimeFigureOut">
               <a:rPr lang="ko-KR" altLang="en-US" smtClean="0"/>
-              <a:t>2019-01-15</a:t>
+              <a:t>2019-01-17</a:t>
             </a:fld>
             <a:endParaRPr lang="ko-KR" altLang="en-US"/>
           </a:p>
@@ -4005,7 +4005,7 @@
         <p:spPr>
           <a:xfrm>
             <a:off x="188640" y="1839814"/>
-            <a:ext cx="6336704" cy="2462213"/>
+            <a:ext cx="6336704" cy="2031325"/>
           </a:xfrm>
           <a:prstGeom prst="rect">
             <a:avLst/>
@@ -4200,23 +4200,13 @@
             </a:r>
             <a:r>
               <a:rPr lang="ko-KR" altLang="en-US" sz="1400" dirty="0" smtClean="0"/>
-              <a:t> 활용하고자 함</a:t>
+              <a:t> 활용하고자 </a:t>
+            </a:r>
+            <a:r>
+              <a:rPr lang="ko-KR" altLang="en-US" sz="1400" dirty="0" smtClean="0"/>
+              <a:t>함</a:t>
             </a:r>
             <a:endParaRPr lang="en-US" altLang="ko-KR" sz="1400" dirty="0" smtClean="0"/>
-          </a:p>
-          <a:p>
-            <a:pPr marL="285750" indent="-285750">
-              <a:buFontTx/>
-              <a:buChar char="-"/>
-            </a:pPr>
-            <a:endParaRPr lang="en-US" altLang="ko-KR" sz="1400" dirty="0" smtClean="0"/>
-          </a:p>
-          <a:p>
-            <a:pPr marL="285750" indent="-285750">
-              <a:buFontTx/>
-              <a:buChar char="-"/>
-            </a:pPr>
-            <a:endParaRPr lang="ko-KR" altLang="en-US" sz="1400" dirty="0"/>
           </a:p>
         </p:txBody>
       </p:sp>
